--- a/diagrams/requirements/useCases/details/inclusion.pptx
+++ b/diagrams/requirements/useCases/details/inclusion.pptx
@@ -1,17 +1,14 @@
 
 <file path=ppt/presentation.xml><?xml version="1.0" encoding="utf-8"?>
-<p:presentation xmlns:a="http://schemas.openxmlformats.org/drawingml/2006/main" xmlns:r="http://schemas.openxmlformats.org/officeDocument/2006/relationships" xmlns:p="http://schemas.openxmlformats.org/presentationml/2006/main" firstSlideNum="37" showSpecialPlsOnTitleSld="0">
+<p:presentation xmlns:a="http://schemas.openxmlformats.org/drawingml/2006/main" xmlns:r="http://schemas.openxmlformats.org/officeDocument/2006/relationships" xmlns:p="http://schemas.openxmlformats.org/presentationml/2006/main" saveSubsetFonts="1">
   <p:sldMasterIdLst>
     <p:sldMasterId id="2147483648" r:id="rId1"/>
   </p:sldMasterIdLst>
-  <p:notesMasterIdLst>
-    <p:notesMasterId r:id="rId3"/>
-  </p:notesMasterIdLst>
   <p:sldIdLst>
-    <p:sldId id="485" r:id="rId2"/>
+    <p:sldId id="256" r:id="rId2"/>
   </p:sldIdLst>
   <p:sldSz cx="9144000" cy="6858000" type="screen4x3"/>
-  <p:notesSz cx="7099300" cy="10234613"/>
+  <p:notesSz cx="6858000" cy="9144000"/>
   <p:defaultTextStyle>
     <a:defPPr>
       <a:defRPr lang="en-US"/>
@@ -110,442 +107,6 @@
 </p:presentation>
 </file>
 
-<file path=ppt/notesMasters/notesMaster1.xml><?xml version="1.0" encoding="utf-8"?>
-<p:notesMaster xmlns:a="http://schemas.openxmlformats.org/drawingml/2006/main" xmlns:r="http://schemas.openxmlformats.org/officeDocument/2006/relationships" xmlns:p="http://schemas.openxmlformats.org/presentationml/2006/main">
-  <p:cSld>
-    <p:bg>
-      <p:bgRef idx="1001">
-        <a:schemeClr val="bg1"/>
-      </p:bgRef>
-    </p:bg>
-    <p:spTree>
-      <p:nvGrpSpPr>
-        <p:cNvPr id="1" name=""/>
-        <p:cNvGrpSpPr/>
-        <p:nvPr/>
-      </p:nvGrpSpPr>
-      <p:grpSpPr>
-        <a:xfrm>
-          <a:off x="0" y="0"/>
-          <a:ext cx="0" cy="0"/>
-          <a:chOff x="0" y="0"/>
-          <a:chExt cx="0" cy="0"/>
-        </a:xfrm>
-      </p:grpSpPr>
-      <p:sp>
-        <p:nvSpPr>
-          <p:cNvPr id="2" name="Header Placeholder 1"/>
-          <p:cNvSpPr>
-            <a:spLocks noGrp="1"/>
-          </p:cNvSpPr>
-          <p:nvPr>
-            <p:ph type="hdr" sz="quarter"/>
-          </p:nvPr>
-        </p:nvSpPr>
-        <p:spPr>
-          <a:xfrm>
-            <a:off x="0" y="0"/>
-            <a:ext cx="3076575" cy="511175"/>
-          </a:xfrm>
-          <a:prstGeom prst="rect">
-            <a:avLst/>
-          </a:prstGeom>
-        </p:spPr>
-        <p:txBody>
-          <a:bodyPr vert="horz" lIns="91440" tIns="45720" rIns="91440" bIns="45720" rtlCol="0"/>
-          <a:lstStyle>
-            <a:lvl1pPr algn="l">
-              <a:defRPr sz="1200"/>
-            </a:lvl1pPr>
-          </a:lstStyle>
-          <a:p>
-            <a:endParaRPr lang="en-US"/>
-          </a:p>
-        </p:txBody>
-      </p:sp>
-      <p:sp>
-        <p:nvSpPr>
-          <p:cNvPr id="3" name="Date Placeholder 2"/>
-          <p:cNvSpPr>
-            <a:spLocks noGrp="1"/>
-          </p:cNvSpPr>
-          <p:nvPr>
-            <p:ph type="dt" idx="1"/>
-          </p:nvPr>
-        </p:nvSpPr>
-        <p:spPr>
-          <a:xfrm>
-            <a:off x="4021138" y="0"/>
-            <a:ext cx="3076575" cy="511175"/>
-          </a:xfrm>
-          <a:prstGeom prst="rect">
-            <a:avLst/>
-          </a:prstGeom>
-        </p:spPr>
-        <p:txBody>
-          <a:bodyPr vert="horz" lIns="91440" tIns="45720" rIns="91440" bIns="45720" rtlCol="0"/>
-          <a:lstStyle>
-            <a:lvl1pPr algn="r">
-              <a:defRPr sz="1200"/>
-            </a:lvl1pPr>
-          </a:lstStyle>
-          <a:p>
-            <a:fld id="{CF33A327-F1DD-433A-ACB3-D2A9D751A0FE}" type="datetimeFigureOut">
-              <a:rPr lang="en-US" smtClean="0"/>
-              <a:pPr/>
-              <a:t>5/16/2017</a:t>
-            </a:fld>
-            <a:endParaRPr lang="en-US"/>
-          </a:p>
-        </p:txBody>
-      </p:sp>
-      <p:sp>
-        <p:nvSpPr>
-          <p:cNvPr id="4" name="Slide Image Placeholder 3"/>
-          <p:cNvSpPr>
-            <a:spLocks noGrp="1" noRot="1" noChangeAspect="1"/>
-          </p:cNvSpPr>
-          <p:nvPr>
-            <p:ph type="sldImg" idx="2"/>
-          </p:nvPr>
-        </p:nvSpPr>
-        <p:spPr>
-          <a:xfrm>
-            <a:off x="992188" y="768350"/>
-            <a:ext cx="5114925" cy="3836988"/>
-          </a:xfrm>
-          <a:prstGeom prst="rect">
-            <a:avLst/>
-          </a:prstGeom>
-          <a:noFill/>
-          <a:ln w="12700">
-            <a:solidFill>
-              <a:prstClr val="black"/>
-            </a:solidFill>
-          </a:ln>
-        </p:spPr>
-        <p:txBody>
-          <a:bodyPr vert="horz" lIns="91440" tIns="45720" rIns="91440" bIns="45720" rtlCol="0" anchor="ctr"/>
-          <a:lstStyle/>
-          <a:p>
-            <a:endParaRPr lang="en-US"/>
-          </a:p>
-        </p:txBody>
-      </p:sp>
-      <p:sp>
-        <p:nvSpPr>
-          <p:cNvPr id="5" name="Notes Placeholder 4"/>
-          <p:cNvSpPr>
-            <a:spLocks noGrp="1"/>
-          </p:cNvSpPr>
-          <p:nvPr>
-            <p:ph type="body" sz="quarter" idx="3"/>
-          </p:nvPr>
-        </p:nvSpPr>
-        <p:spPr>
-          <a:xfrm>
-            <a:off x="709613" y="4860925"/>
-            <a:ext cx="5680075" cy="4605338"/>
-          </a:xfrm>
-          <a:prstGeom prst="rect">
-            <a:avLst/>
-          </a:prstGeom>
-        </p:spPr>
-        <p:txBody>
-          <a:bodyPr vert="horz" lIns="91440" tIns="45720" rIns="91440" bIns="45720" rtlCol="0">
-            <a:normAutofit/>
-          </a:bodyPr>
-          <a:lstStyle/>
-          <a:p>
-            <a:pPr lvl="0"/>
-            <a:r>
-              <a:rPr lang="en-US" smtClean="0"/>
-              <a:t>Click to edit Master text styles</a:t>
-            </a:r>
-          </a:p>
-          <a:p>
-            <a:pPr lvl="1"/>
-            <a:r>
-              <a:rPr lang="en-US" smtClean="0"/>
-              <a:t>Second level</a:t>
-            </a:r>
-          </a:p>
-          <a:p>
-            <a:pPr lvl="2"/>
-            <a:r>
-              <a:rPr lang="en-US" smtClean="0"/>
-              <a:t>Third level</a:t>
-            </a:r>
-          </a:p>
-          <a:p>
-            <a:pPr lvl="3"/>
-            <a:r>
-              <a:rPr lang="en-US" smtClean="0"/>
-              <a:t>Fourth level</a:t>
-            </a:r>
-          </a:p>
-          <a:p>
-            <a:pPr lvl="4"/>
-            <a:r>
-              <a:rPr lang="en-US" smtClean="0"/>
-              <a:t>Fifth level</a:t>
-            </a:r>
-            <a:endParaRPr lang="en-US"/>
-          </a:p>
-        </p:txBody>
-      </p:sp>
-      <p:sp>
-        <p:nvSpPr>
-          <p:cNvPr id="6" name="Footer Placeholder 5"/>
-          <p:cNvSpPr>
-            <a:spLocks noGrp="1"/>
-          </p:cNvSpPr>
-          <p:nvPr>
-            <p:ph type="ftr" sz="quarter" idx="4"/>
-          </p:nvPr>
-        </p:nvSpPr>
-        <p:spPr>
-          <a:xfrm>
-            <a:off x="0" y="9721850"/>
-            <a:ext cx="3076575" cy="511175"/>
-          </a:xfrm>
-          <a:prstGeom prst="rect">
-            <a:avLst/>
-          </a:prstGeom>
-        </p:spPr>
-        <p:txBody>
-          <a:bodyPr vert="horz" lIns="91440" tIns="45720" rIns="91440" bIns="45720" rtlCol="0" anchor="b"/>
-          <a:lstStyle>
-            <a:lvl1pPr algn="l">
-              <a:defRPr sz="1200"/>
-            </a:lvl1pPr>
-          </a:lstStyle>
-          <a:p>
-            <a:endParaRPr lang="en-US"/>
-          </a:p>
-        </p:txBody>
-      </p:sp>
-      <p:sp>
-        <p:nvSpPr>
-          <p:cNvPr id="7" name="Slide Number Placeholder 6"/>
-          <p:cNvSpPr>
-            <a:spLocks noGrp="1"/>
-          </p:cNvSpPr>
-          <p:nvPr>
-            <p:ph type="sldNum" sz="quarter" idx="5"/>
-          </p:nvPr>
-        </p:nvSpPr>
-        <p:spPr>
-          <a:xfrm>
-            <a:off x="4021138" y="9721850"/>
-            <a:ext cx="3076575" cy="511175"/>
-          </a:xfrm>
-          <a:prstGeom prst="rect">
-            <a:avLst/>
-          </a:prstGeom>
-        </p:spPr>
-        <p:txBody>
-          <a:bodyPr vert="horz" lIns="91440" tIns="45720" rIns="91440" bIns="45720" rtlCol="0" anchor="b"/>
-          <a:lstStyle>
-            <a:lvl1pPr algn="r">
-              <a:defRPr sz="1200"/>
-            </a:lvl1pPr>
-          </a:lstStyle>
-          <a:p>
-            <a:fld id="{76353C17-9EAB-4930-9210-09F0DABFCB7E}" type="slidenum">
-              <a:rPr lang="en-US" smtClean="0"/>
-              <a:pPr/>
-              <a:t>‹#›</a:t>
-            </a:fld>
-            <a:endParaRPr lang="en-US"/>
-          </a:p>
-        </p:txBody>
-      </p:sp>
-    </p:spTree>
-    <p:extLst>
-      <p:ext uri="{BB962C8B-B14F-4D97-AF65-F5344CB8AC3E}">
-        <p14:creationId xmlns:p14="http://schemas.microsoft.com/office/powerpoint/2010/main" val="3104595607"/>
-      </p:ext>
-    </p:extLst>
-  </p:cSld>
-  <p:clrMap bg1="lt1" tx1="dk1" bg2="lt2" tx2="dk2" accent1="accent1" accent2="accent2" accent3="accent3" accent4="accent4" accent5="accent5" accent6="accent6" hlink="hlink" folHlink="folHlink"/>
-  <p:notesStyle>
-    <a:lvl1pPr marL="0" algn="l" defTabSz="914400" rtl="0" eaLnBrk="1" latinLnBrk="0" hangingPunct="1">
-      <a:defRPr sz="1200" kern="1200">
-        <a:solidFill>
-          <a:schemeClr val="tx1"/>
-        </a:solidFill>
-        <a:latin typeface="+mn-lt"/>
-        <a:ea typeface="+mn-ea"/>
-        <a:cs typeface="+mn-cs"/>
-      </a:defRPr>
-    </a:lvl1pPr>
-    <a:lvl2pPr marL="457200" algn="l" defTabSz="914400" rtl="0" eaLnBrk="1" latinLnBrk="0" hangingPunct="1">
-      <a:defRPr sz="1200" kern="1200">
-        <a:solidFill>
-          <a:schemeClr val="tx1"/>
-        </a:solidFill>
-        <a:latin typeface="+mn-lt"/>
-        <a:ea typeface="+mn-ea"/>
-        <a:cs typeface="+mn-cs"/>
-      </a:defRPr>
-    </a:lvl2pPr>
-    <a:lvl3pPr marL="914400" algn="l" defTabSz="914400" rtl="0" eaLnBrk="1" latinLnBrk="0" hangingPunct="1">
-      <a:defRPr sz="1200" kern="1200">
-        <a:solidFill>
-          <a:schemeClr val="tx1"/>
-        </a:solidFill>
-        <a:latin typeface="+mn-lt"/>
-        <a:ea typeface="+mn-ea"/>
-        <a:cs typeface="+mn-cs"/>
-      </a:defRPr>
-    </a:lvl3pPr>
-    <a:lvl4pPr marL="1371600" algn="l" defTabSz="914400" rtl="0" eaLnBrk="1" latinLnBrk="0" hangingPunct="1">
-      <a:defRPr sz="1200" kern="1200">
-        <a:solidFill>
-          <a:schemeClr val="tx1"/>
-        </a:solidFill>
-        <a:latin typeface="+mn-lt"/>
-        <a:ea typeface="+mn-ea"/>
-        <a:cs typeface="+mn-cs"/>
-      </a:defRPr>
-    </a:lvl4pPr>
-    <a:lvl5pPr marL="1828800" algn="l" defTabSz="914400" rtl="0" eaLnBrk="1" latinLnBrk="0" hangingPunct="1">
-      <a:defRPr sz="1200" kern="1200">
-        <a:solidFill>
-          <a:schemeClr val="tx1"/>
-        </a:solidFill>
-        <a:latin typeface="+mn-lt"/>
-        <a:ea typeface="+mn-ea"/>
-        <a:cs typeface="+mn-cs"/>
-      </a:defRPr>
-    </a:lvl5pPr>
-    <a:lvl6pPr marL="2286000" algn="l" defTabSz="914400" rtl="0" eaLnBrk="1" latinLnBrk="0" hangingPunct="1">
-      <a:defRPr sz="1200" kern="1200">
-        <a:solidFill>
-          <a:schemeClr val="tx1"/>
-        </a:solidFill>
-        <a:latin typeface="+mn-lt"/>
-        <a:ea typeface="+mn-ea"/>
-        <a:cs typeface="+mn-cs"/>
-      </a:defRPr>
-    </a:lvl6pPr>
-    <a:lvl7pPr marL="2743200" algn="l" defTabSz="914400" rtl="0" eaLnBrk="1" latinLnBrk="0" hangingPunct="1">
-      <a:defRPr sz="1200" kern="1200">
-        <a:solidFill>
-          <a:schemeClr val="tx1"/>
-        </a:solidFill>
-        <a:latin typeface="+mn-lt"/>
-        <a:ea typeface="+mn-ea"/>
-        <a:cs typeface="+mn-cs"/>
-      </a:defRPr>
-    </a:lvl7pPr>
-    <a:lvl8pPr marL="3200400" algn="l" defTabSz="914400" rtl="0" eaLnBrk="1" latinLnBrk="0" hangingPunct="1">
-      <a:defRPr sz="1200" kern="1200">
-        <a:solidFill>
-          <a:schemeClr val="tx1"/>
-        </a:solidFill>
-        <a:latin typeface="+mn-lt"/>
-        <a:ea typeface="+mn-ea"/>
-        <a:cs typeface="+mn-cs"/>
-      </a:defRPr>
-    </a:lvl8pPr>
-    <a:lvl9pPr marL="3657600" algn="l" defTabSz="914400" rtl="0" eaLnBrk="1" latinLnBrk="0" hangingPunct="1">
-      <a:defRPr sz="1200" kern="1200">
-        <a:solidFill>
-          <a:schemeClr val="tx1"/>
-        </a:solidFill>
-        <a:latin typeface="+mn-lt"/>
-        <a:ea typeface="+mn-ea"/>
-        <a:cs typeface="+mn-cs"/>
-      </a:defRPr>
-    </a:lvl9pPr>
-  </p:notesStyle>
-</p:notesMaster>
-</file>
-
-<file path=ppt/notesSlides/notesSlide1.xml><?xml version="1.0" encoding="utf-8"?>
-<p:notes xmlns:a="http://schemas.openxmlformats.org/drawingml/2006/main" xmlns:r="http://schemas.openxmlformats.org/officeDocument/2006/relationships" xmlns:p="http://schemas.openxmlformats.org/presentationml/2006/main">
-  <p:cSld>
-    <p:spTree>
-      <p:nvGrpSpPr>
-        <p:cNvPr id="1" name=""/>
-        <p:cNvGrpSpPr/>
-        <p:nvPr/>
-      </p:nvGrpSpPr>
-      <p:grpSpPr>
-        <a:xfrm>
-          <a:off x="0" y="0"/>
-          <a:ext cx="0" cy="0"/>
-          <a:chOff x="0" y="0"/>
-          <a:chExt cx="0" cy="0"/>
-        </a:xfrm>
-      </p:grpSpPr>
-      <p:sp>
-        <p:nvSpPr>
-          <p:cNvPr id="2" name="Slide Image Placeholder 1"/>
-          <p:cNvSpPr>
-            <a:spLocks noGrp="1" noRot="1" noChangeAspect="1"/>
-          </p:cNvSpPr>
-          <p:nvPr>
-            <p:ph type="sldImg"/>
-          </p:nvPr>
-        </p:nvSpPr>
-        <p:spPr/>
-      </p:sp>
-      <p:sp>
-        <p:nvSpPr>
-          <p:cNvPr id="3" name="Notes Placeholder 2"/>
-          <p:cNvSpPr>
-            <a:spLocks noGrp="1"/>
-          </p:cNvSpPr>
-          <p:nvPr>
-            <p:ph type="body" idx="1"/>
-          </p:nvPr>
-        </p:nvSpPr>
-        <p:spPr/>
-        <p:txBody>
-          <a:bodyPr>
-            <a:normAutofit/>
-          </a:bodyPr>
-          <a:lstStyle/>
-          <a:p>
-            <a:endParaRPr lang="en-US"/>
-          </a:p>
-        </p:txBody>
-      </p:sp>
-      <p:sp>
-        <p:nvSpPr>
-          <p:cNvPr id="4" name="Slide Number Placeholder 3"/>
-          <p:cNvSpPr>
-            <a:spLocks noGrp="1"/>
-          </p:cNvSpPr>
-          <p:nvPr>
-            <p:ph type="sldNum" sz="quarter" idx="10"/>
-          </p:nvPr>
-        </p:nvSpPr>
-        <p:spPr/>
-        <p:txBody>
-          <a:bodyPr/>
-          <a:lstStyle/>
-          <a:p>
-            <a:fld id="{D8AAB797-2628-476A-9ECD-6773D97C2656}" type="slidenum">
-              <a:rPr lang="en-US" smtClean="0"/>
-              <a:pPr/>
-              <a:t>37</a:t>
-            </a:fld>
-            <a:endParaRPr lang="en-US"/>
-          </a:p>
-        </p:txBody>
-      </p:sp>
-    </p:spTree>
-  </p:cSld>
-  <p:clrMapOvr>
-    <a:masterClrMapping/>
-  </p:clrMapOvr>
-</p:notes>
-</file>
-
 <file path=ppt/slideLayouts/slideLayout1.xml><?xml version="1.0" encoding="utf-8"?>
 <p:sldLayout xmlns:a="http://schemas.openxmlformats.org/drawingml/2006/main" xmlns:r="http://schemas.openxmlformats.org/officeDocument/2006/relationships" xmlns:p="http://schemas.openxmlformats.org/presentationml/2006/main" type="title" preserve="1">
   <p:cSld name="Title Slide">
@@ -587,7 +148,7 @@
               <a:rPr lang="en-US" smtClean="0"/>
               <a:t>Click to edit Master title style</a:t>
             </a:r>
-            <a:endParaRPr lang="en-US"/>
+            <a:endParaRPr lang="en-SG"/>
           </a:p>
         </p:txBody>
       </p:sp>
@@ -706,7 +267,7 @@
               <a:rPr lang="en-US" smtClean="0"/>
               <a:t>Click to edit Master subtitle style</a:t>
             </a:r>
-            <a:endParaRPr lang="en-US"/>
+            <a:endParaRPr lang="en-SG"/>
           </a:p>
         </p:txBody>
       </p:sp>
@@ -725,7 +286,11 @@
           <a:bodyPr/>
           <a:lstStyle/>
           <a:p>
-            <a:endParaRPr lang="en-US"/>
+            <a:fld id="{A0F86979-30DA-49EE-A740-32EBA6D2B7DE}" type="datetimeFigureOut">
+              <a:rPr lang="en-SG" smtClean="0"/>
+              <a:t>2/6/2017</a:t>
+            </a:fld>
+            <a:endParaRPr lang="en-SG"/>
           </a:p>
         </p:txBody>
       </p:sp>
@@ -744,7 +309,7 @@
           <a:bodyPr/>
           <a:lstStyle/>
           <a:p>
-            <a:endParaRPr lang="en-US"/>
+            <a:endParaRPr lang="en-SG"/>
           </a:p>
         </p:txBody>
       </p:sp>
@@ -763,16 +328,20 @@
           <a:bodyPr/>
           <a:lstStyle/>
           <a:p>
-            <a:fld id="{5B8905EB-9186-4B9B-BEF9-C6B1CD50847D}" type="slidenum">
-              <a:rPr lang="en-US" smtClean="0"/>
-              <a:pPr/>
+            <a:fld id="{EBF7C7F7-E270-4260-A412-76A75D6182AD}" type="slidenum">
+              <a:rPr lang="en-SG" smtClean="0"/>
               <a:t>‹#›</a:t>
             </a:fld>
-            <a:endParaRPr lang="en-US"/>
+            <a:endParaRPr lang="en-SG"/>
           </a:p>
         </p:txBody>
       </p:sp>
     </p:spTree>
+    <p:extLst>
+      <p:ext uri="{BB962C8B-B14F-4D97-AF65-F5344CB8AC3E}">
+        <p14:creationId xmlns:p14="http://schemas.microsoft.com/office/powerpoint/2010/main" val="135796274"/>
+      </p:ext>
+    </p:extLst>
   </p:cSld>
   <p:clrMapOvr>
     <a:masterClrMapping/>
@@ -816,7 +385,7 @@
               <a:rPr lang="en-US" smtClean="0"/>
               <a:t>Click to edit Master title style</a:t>
             </a:r>
-            <a:endParaRPr lang="en-US"/>
+            <a:endParaRPr lang="en-SG"/>
           </a:p>
         </p:txBody>
       </p:sp>
@@ -868,7 +437,7 @@
               <a:rPr lang="en-US" smtClean="0"/>
               <a:t>Fifth level</a:t>
             </a:r>
-            <a:endParaRPr lang="en-US"/>
+            <a:endParaRPr lang="en-SG"/>
           </a:p>
         </p:txBody>
       </p:sp>
@@ -887,7 +456,11 @@
           <a:bodyPr/>
           <a:lstStyle/>
           <a:p>
-            <a:endParaRPr lang="en-US"/>
+            <a:fld id="{A0F86979-30DA-49EE-A740-32EBA6D2B7DE}" type="datetimeFigureOut">
+              <a:rPr lang="en-SG" smtClean="0"/>
+              <a:t>2/6/2017</a:t>
+            </a:fld>
+            <a:endParaRPr lang="en-SG"/>
           </a:p>
         </p:txBody>
       </p:sp>
@@ -906,7 +479,7 @@
           <a:bodyPr/>
           <a:lstStyle/>
           <a:p>
-            <a:endParaRPr lang="en-US"/>
+            <a:endParaRPr lang="en-SG"/>
           </a:p>
         </p:txBody>
       </p:sp>
@@ -925,16 +498,20 @@
           <a:bodyPr/>
           <a:lstStyle/>
           <a:p>
-            <a:fld id="{5B8905EB-9186-4B9B-BEF9-C6B1CD50847D}" type="slidenum">
-              <a:rPr lang="en-US" smtClean="0"/>
-              <a:pPr/>
+            <a:fld id="{EBF7C7F7-E270-4260-A412-76A75D6182AD}" type="slidenum">
+              <a:rPr lang="en-SG" smtClean="0"/>
               <a:t>‹#›</a:t>
             </a:fld>
-            <a:endParaRPr lang="en-US"/>
+            <a:endParaRPr lang="en-SG"/>
           </a:p>
         </p:txBody>
       </p:sp>
     </p:spTree>
+    <p:extLst>
+      <p:ext uri="{BB962C8B-B14F-4D97-AF65-F5344CB8AC3E}">
+        <p14:creationId xmlns:p14="http://schemas.microsoft.com/office/powerpoint/2010/main" val="3528568514"/>
+      </p:ext>
+    </p:extLst>
   </p:cSld>
   <p:clrMapOvr>
     <a:masterClrMapping/>
@@ -983,7 +560,7 @@
               <a:rPr lang="en-US" smtClean="0"/>
               <a:t>Click to edit Master title style</a:t>
             </a:r>
-            <a:endParaRPr lang="en-US"/>
+            <a:endParaRPr lang="en-SG"/>
           </a:p>
         </p:txBody>
       </p:sp>
@@ -1040,7 +617,7 @@
               <a:rPr lang="en-US" smtClean="0"/>
               <a:t>Fifth level</a:t>
             </a:r>
-            <a:endParaRPr lang="en-US"/>
+            <a:endParaRPr lang="en-SG"/>
           </a:p>
         </p:txBody>
       </p:sp>
@@ -1059,7 +636,11 @@
           <a:bodyPr/>
           <a:lstStyle/>
           <a:p>
-            <a:endParaRPr lang="en-US"/>
+            <a:fld id="{A0F86979-30DA-49EE-A740-32EBA6D2B7DE}" type="datetimeFigureOut">
+              <a:rPr lang="en-SG" smtClean="0"/>
+              <a:t>2/6/2017</a:t>
+            </a:fld>
+            <a:endParaRPr lang="en-SG"/>
           </a:p>
         </p:txBody>
       </p:sp>
@@ -1078,7 +659,7 @@
           <a:bodyPr/>
           <a:lstStyle/>
           <a:p>
-            <a:endParaRPr lang="en-US"/>
+            <a:endParaRPr lang="en-SG"/>
           </a:p>
         </p:txBody>
       </p:sp>
@@ -1097,16 +678,20 @@
           <a:bodyPr/>
           <a:lstStyle/>
           <a:p>
-            <a:fld id="{5B8905EB-9186-4B9B-BEF9-C6B1CD50847D}" type="slidenum">
-              <a:rPr lang="en-US" smtClean="0"/>
-              <a:pPr/>
+            <a:fld id="{EBF7C7F7-E270-4260-A412-76A75D6182AD}" type="slidenum">
+              <a:rPr lang="en-SG" smtClean="0"/>
               <a:t>‹#›</a:t>
             </a:fld>
-            <a:endParaRPr lang="en-US"/>
+            <a:endParaRPr lang="en-SG"/>
           </a:p>
         </p:txBody>
       </p:sp>
     </p:spTree>
+    <p:extLst>
+      <p:ext uri="{BB962C8B-B14F-4D97-AF65-F5344CB8AC3E}">
+        <p14:creationId xmlns:p14="http://schemas.microsoft.com/office/powerpoint/2010/main" val="2418564099"/>
+      </p:ext>
+    </p:extLst>
   </p:cSld>
   <p:clrMapOvr>
     <a:masterClrMapping/>
@@ -1141,33 +726,16 @@
             <p:ph type="title"/>
           </p:nvPr>
         </p:nvSpPr>
-        <p:spPr>
-          <a:xfrm>
-            <a:off x="457200" y="274638"/>
-            <a:ext cx="8229600" cy="792162"/>
-          </a:xfrm>
-        </p:spPr>
-        <p:txBody>
-          <a:bodyPr>
-            <a:normAutofit/>
-          </a:bodyPr>
-          <a:lstStyle>
-            <a:lvl1pPr algn="l">
-              <a:defRPr sz="3600">
-                <a:solidFill>
-                  <a:schemeClr val="accent6">
-                    <a:lumMod val="75000"/>
-                  </a:schemeClr>
-                </a:solidFill>
-              </a:defRPr>
-            </a:lvl1pPr>
-          </a:lstStyle>
-          <a:p>
-            <a:r>
-              <a:rPr lang="en-US" dirty="0" smtClean="0"/>
+        <p:spPr/>
+        <p:txBody>
+          <a:bodyPr/>
+          <a:lstStyle/>
+          <a:p>
+            <a:r>
+              <a:rPr lang="en-US" smtClean="0"/>
               <a:t>Click to edit Master title style</a:t>
             </a:r>
-            <a:endParaRPr lang="en-US" dirty="0"/>
+            <a:endParaRPr lang="en-SG"/>
           </a:p>
         </p:txBody>
       </p:sp>
@@ -1181,99 +749,123 @@
             <p:ph idx="1"/>
           </p:nvPr>
         </p:nvSpPr>
-        <p:spPr>
-          <a:xfrm>
-            <a:off x="457200" y="1219200"/>
-            <a:ext cx="8229600" cy="1754326"/>
-          </a:xfrm>
-        </p:spPr>
-        <p:txBody>
-          <a:bodyPr>
-            <a:spAutoFit/>
-          </a:bodyPr>
-          <a:lstStyle>
-            <a:lvl1pPr>
-              <a:buSzPct val="50000"/>
-              <a:buFont typeface="Wingdings" pitchFamily="2" charset="2"/>
-              <a:buChar char="q"/>
-              <a:defRPr sz="2200">
-                <a:latin typeface="Cambria" pitchFamily="18" charset="0"/>
-              </a:defRPr>
-            </a:lvl1pPr>
-            <a:lvl2pPr>
-              <a:buSzPct val="75000"/>
-              <a:buFont typeface="Courier New" pitchFamily="49" charset="0"/>
-              <a:buChar char="o"/>
-              <a:defRPr sz="2000">
-                <a:latin typeface="Cambria" pitchFamily="18" charset="0"/>
-              </a:defRPr>
-            </a:lvl2pPr>
-            <a:lvl3pPr>
-              <a:defRPr sz="1800">
-                <a:latin typeface="Cambria" pitchFamily="18" charset="0"/>
-              </a:defRPr>
-            </a:lvl3pPr>
-            <a:lvl4pPr>
-              <a:defRPr sz="1600">
-                <a:latin typeface="Cambria" pitchFamily="18" charset="0"/>
-              </a:defRPr>
-            </a:lvl4pPr>
-            <a:lvl5pPr>
-              <a:defRPr sz="1600">
-                <a:latin typeface="Cambria" pitchFamily="18" charset="0"/>
-              </a:defRPr>
-            </a:lvl5pPr>
-          </a:lstStyle>
+        <p:spPr/>
+        <p:txBody>
+          <a:bodyPr/>
+          <a:lstStyle/>
           <a:p>
             <a:pPr lvl="0"/>
             <a:r>
-              <a:rPr lang="en-US" dirty="0" smtClean="0"/>
+              <a:rPr lang="en-US" smtClean="0"/>
               <a:t>Click to edit Master text styles</a:t>
             </a:r>
           </a:p>
           <a:p>
             <a:pPr lvl="1"/>
             <a:r>
-              <a:rPr lang="en-US" dirty="0" smtClean="0"/>
+              <a:rPr lang="en-US" smtClean="0"/>
               <a:t>Second level</a:t>
             </a:r>
           </a:p>
           <a:p>
             <a:pPr lvl="2"/>
             <a:r>
-              <a:rPr lang="en-US" dirty="0" smtClean="0"/>
+              <a:rPr lang="en-US" smtClean="0"/>
               <a:t>Third level</a:t>
             </a:r>
           </a:p>
           <a:p>
             <a:pPr lvl="3"/>
             <a:r>
-              <a:rPr lang="en-US" dirty="0" smtClean="0"/>
+              <a:rPr lang="en-US" smtClean="0"/>
               <a:t>Fourth level</a:t>
             </a:r>
           </a:p>
           <a:p>
             <a:pPr lvl="4"/>
             <a:r>
-              <a:rPr lang="en-US" dirty="0" smtClean="0"/>
+              <a:rPr lang="en-US" smtClean="0"/>
               <a:t>Fifth level</a:t>
             </a:r>
-            <a:endParaRPr lang="en-US" dirty="0"/>
+            <a:endParaRPr lang="en-SG"/>
+          </a:p>
+        </p:txBody>
+      </p:sp>
+      <p:sp>
+        <p:nvSpPr>
+          <p:cNvPr id="4" name="Date Placeholder 3"/>
+          <p:cNvSpPr>
+            <a:spLocks noGrp="1"/>
+          </p:cNvSpPr>
+          <p:nvPr>
+            <p:ph type="dt" sz="half" idx="10"/>
+          </p:nvPr>
+        </p:nvSpPr>
+        <p:spPr/>
+        <p:txBody>
+          <a:bodyPr/>
+          <a:lstStyle/>
+          <a:p>
+            <a:fld id="{A0F86979-30DA-49EE-A740-32EBA6D2B7DE}" type="datetimeFigureOut">
+              <a:rPr lang="en-SG" smtClean="0"/>
+              <a:t>2/6/2017</a:t>
+            </a:fld>
+            <a:endParaRPr lang="en-SG"/>
+          </a:p>
+        </p:txBody>
+      </p:sp>
+      <p:sp>
+        <p:nvSpPr>
+          <p:cNvPr id="5" name="Footer Placeholder 4"/>
+          <p:cNvSpPr>
+            <a:spLocks noGrp="1"/>
+          </p:cNvSpPr>
+          <p:nvPr>
+            <p:ph type="ftr" sz="quarter" idx="11"/>
+          </p:nvPr>
+        </p:nvSpPr>
+        <p:spPr/>
+        <p:txBody>
+          <a:bodyPr/>
+          <a:lstStyle/>
+          <a:p>
+            <a:endParaRPr lang="en-SG"/>
+          </a:p>
+        </p:txBody>
+      </p:sp>
+      <p:sp>
+        <p:nvSpPr>
+          <p:cNvPr id="6" name="Slide Number Placeholder 5"/>
+          <p:cNvSpPr>
+            <a:spLocks noGrp="1"/>
+          </p:cNvSpPr>
+          <p:nvPr>
+            <p:ph type="sldNum" sz="quarter" idx="12"/>
+          </p:nvPr>
+        </p:nvSpPr>
+        <p:spPr/>
+        <p:txBody>
+          <a:bodyPr/>
+          <a:lstStyle/>
+          <a:p>
+            <a:fld id="{EBF7C7F7-E270-4260-A412-76A75D6182AD}" type="slidenum">
+              <a:rPr lang="en-SG" smtClean="0"/>
+              <a:t>‹#›</a:t>
+            </a:fld>
+            <a:endParaRPr lang="en-SG"/>
           </a:p>
         </p:txBody>
       </p:sp>
     </p:spTree>
+    <p:extLst>
+      <p:ext uri="{BB962C8B-B14F-4D97-AF65-F5344CB8AC3E}">
+        <p14:creationId xmlns:p14="http://schemas.microsoft.com/office/powerpoint/2010/main" val="4201411315"/>
+      </p:ext>
+    </p:extLst>
   </p:cSld>
   <p:clrMapOvr>
     <a:masterClrMapping/>
   </p:clrMapOvr>
-  <p:timing>
-    <p:tnLst>
-      <p:par>
-        <p:cTn id="1" dur="indefinite" restart="never" nodeType="tmRoot"/>
-      </p:par>
-    </p:tnLst>
-  </p:timing>
 </p:sldLayout>
 </file>
 
@@ -1322,7 +914,7 @@
               <a:rPr lang="en-US" smtClean="0"/>
               <a:t>Click to edit Master title style</a:t>
             </a:r>
-            <a:endParaRPr lang="en-US"/>
+            <a:endParaRPr lang="en-SG"/>
           </a:p>
         </p:txBody>
       </p:sp>
@@ -1460,7 +1052,11 @@
           <a:bodyPr/>
           <a:lstStyle/>
           <a:p>
-            <a:endParaRPr lang="en-US"/>
+            <a:fld id="{A0F86979-30DA-49EE-A740-32EBA6D2B7DE}" type="datetimeFigureOut">
+              <a:rPr lang="en-SG" smtClean="0"/>
+              <a:t>2/6/2017</a:t>
+            </a:fld>
+            <a:endParaRPr lang="en-SG"/>
           </a:p>
         </p:txBody>
       </p:sp>
@@ -1479,7 +1075,7 @@
           <a:bodyPr/>
           <a:lstStyle/>
           <a:p>
-            <a:endParaRPr lang="en-US"/>
+            <a:endParaRPr lang="en-SG"/>
           </a:p>
         </p:txBody>
       </p:sp>
@@ -1498,16 +1094,20 @@
           <a:bodyPr/>
           <a:lstStyle/>
           <a:p>
-            <a:fld id="{5B8905EB-9186-4B9B-BEF9-C6B1CD50847D}" type="slidenum">
-              <a:rPr lang="en-US" smtClean="0"/>
-              <a:pPr/>
+            <a:fld id="{EBF7C7F7-E270-4260-A412-76A75D6182AD}" type="slidenum">
+              <a:rPr lang="en-SG" smtClean="0"/>
               <a:t>‹#›</a:t>
             </a:fld>
-            <a:endParaRPr lang="en-US"/>
+            <a:endParaRPr lang="en-SG"/>
           </a:p>
         </p:txBody>
       </p:sp>
     </p:spTree>
+    <p:extLst>
+      <p:ext uri="{BB962C8B-B14F-4D97-AF65-F5344CB8AC3E}">
+        <p14:creationId xmlns:p14="http://schemas.microsoft.com/office/powerpoint/2010/main" val="3750375640"/>
+      </p:ext>
+    </p:extLst>
   </p:cSld>
   <p:clrMapOvr>
     <a:masterClrMapping/>
@@ -1551,7 +1151,7 @@
               <a:rPr lang="en-US" smtClean="0"/>
               <a:t>Click to edit Master title style</a:t>
             </a:r>
-            <a:endParaRPr lang="en-US"/>
+            <a:endParaRPr lang="en-SG"/>
           </a:p>
         </p:txBody>
       </p:sp>
@@ -1636,7 +1236,7 @@
               <a:rPr lang="en-US" smtClean="0"/>
               <a:t>Fifth level</a:t>
             </a:r>
-            <a:endParaRPr lang="en-US"/>
+            <a:endParaRPr lang="en-SG"/>
           </a:p>
         </p:txBody>
       </p:sp>
@@ -1721,7 +1321,7 @@
               <a:rPr lang="en-US" smtClean="0"/>
               <a:t>Fifth level</a:t>
             </a:r>
-            <a:endParaRPr lang="en-US"/>
+            <a:endParaRPr lang="en-SG"/>
           </a:p>
         </p:txBody>
       </p:sp>
@@ -1740,7 +1340,11 @@
           <a:bodyPr/>
           <a:lstStyle/>
           <a:p>
-            <a:endParaRPr lang="en-US"/>
+            <a:fld id="{A0F86979-30DA-49EE-A740-32EBA6D2B7DE}" type="datetimeFigureOut">
+              <a:rPr lang="en-SG" smtClean="0"/>
+              <a:t>2/6/2017</a:t>
+            </a:fld>
+            <a:endParaRPr lang="en-SG"/>
           </a:p>
         </p:txBody>
       </p:sp>
@@ -1759,7 +1363,7 @@
           <a:bodyPr/>
           <a:lstStyle/>
           <a:p>
-            <a:endParaRPr lang="en-US"/>
+            <a:endParaRPr lang="en-SG"/>
           </a:p>
         </p:txBody>
       </p:sp>
@@ -1778,16 +1382,20 @@
           <a:bodyPr/>
           <a:lstStyle/>
           <a:p>
-            <a:fld id="{5B8905EB-9186-4B9B-BEF9-C6B1CD50847D}" type="slidenum">
-              <a:rPr lang="en-US" smtClean="0"/>
-              <a:pPr/>
+            <a:fld id="{EBF7C7F7-E270-4260-A412-76A75D6182AD}" type="slidenum">
+              <a:rPr lang="en-SG" smtClean="0"/>
               <a:t>‹#›</a:t>
             </a:fld>
-            <a:endParaRPr lang="en-US"/>
+            <a:endParaRPr lang="en-SG"/>
           </a:p>
         </p:txBody>
       </p:sp>
     </p:spTree>
+    <p:extLst>
+      <p:ext uri="{BB962C8B-B14F-4D97-AF65-F5344CB8AC3E}">
+        <p14:creationId xmlns:p14="http://schemas.microsoft.com/office/powerpoint/2010/main" val="168309803"/>
+      </p:ext>
+    </p:extLst>
   </p:cSld>
   <p:clrMapOvr>
     <a:masterClrMapping/>
@@ -1824,26 +1432,18 @@
         </p:nvSpPr>
         <p:spPr/>
         <p:txBody>
-          <a:bodyPr>
-            <a:normAutofit/>
-          </a:bodyPr>
+          <a:bodyPr/>
           <a:lstStyle>
-            <a:lvl1pPr algn="l">
-              <a:defRPr sz="4000">
-                <a:solidFill>
-                  <a:schemeClr val="accent6">
-                    <a:lumMod val="75000"/>
-                  </a:schemeClr>
-                </a:solidFill>
-              </a:defRPr>
+            <a:lvl1pPr>
+              <a:defRPr/>
             </a:lvl1pPr>
           </a:lstStyle>
           <a:p>
             <a:r>
-              <a:rPr lang="en-US" dirty="0" smtClean="0"/>
+              <a:rPr lang="en-US" smtClean="0"/>
               <a:t>Click to edit Master title style</a:t>
             </a:r>
-            <a:endParaRPr lang="en-US" dirty="0"/>
+            <a:endParaRPr lang="en-SG"/>
           </a:p>
         </p:txBody>
       </p:sp>
@@ -1993,7 +1593,7 @@
               <a:rPr lang="en-US" smtClean="0"/>
               <a:t>Fifth level</a:t>
             </a:r>
-            <a:endParaRPr lang="en-US"/>
+            <a:endParaRPr lang="en-SG"/>
           </a:p>
         </p:txBody>
       </p:sp>
@@ -2143,7 +1743,7 @@
               <a:rPr lang="en-US" smtClean="0"/>
               <a:t>Fifth level</a:t>
             </a:r>
-            <a:endParaRPr lang="en-US"/>
+            <a:endParaRPr lang="en-SG"/>
           </a:p>
         </p:txBody>
       </p:sp>
@@ -2162,7 +1762,11 @@
           <a:bodyPr/>
           <a:lstStyle/>
           <a:p>
-            <a:endParaRPr lang="en-US"/>
+            <a:fld id="{A0F86979-30DA-49EE-A740-32EBA6D2B7DE}" type="datetimeFigureOut">
+              <a:rPr lang="en-SG" smtClean="0"/>
+              <a:t>2/6/2017</a:t>
+            </a:fld>
+            <a:endParaRPr lang="en-SG"/>
           </a:p>
         </p:txBody>
       </p:sp>
@@ -2181,7 +1785,7 @@
           <a:bodyPr/>
           <a:lstStyle/>
           <a:p>
-            <a:endParaRPr lang="en-US"/>
+            <a:endParaRPr lang="en-SG"/>
           </a:p>
         </p:txBody>
       </p:sp>
@@ -2200,27 +1804,24 @@
           <a:bodyPr/>
           <a:lstStyle/>
           <a:p>
-            <a:fld id="{5B8905EB-9186-4B9B-BEF9-C6B1CD50847D}" type="slidenum">
-              <a:rPr lang="en-US" smtClean="0"/>
-              <a:pPr/>
+            <a:fld id="{EBF7C7F7-E270-4260-A412-76A75D6182AD}" type="slidenum">
+              <a:rPr lang="en-SG" smtClean="0"/>
               <a:t>‹#›</a:t>
             </a:fld>
-            <a:endParaRPr lang="en-US"/>
+            <a:endParaRPr lang="en-SG"/>
           </a:p>
         </p:txBody>
       </p:sp>
     </p:spTree>
+    <p:extLst>
+      <p:ext uri="{BB962C8B-B14F-4D97-AF65-F5344CB8AC3E}">
+        <p14:creationId xmlns:p14="http://schemas.microsoft.com/office/powerpoint/2010/main" val="188146314"/>
+      </p:ext>
+    </p:extLst>
   </p:cSld>
   <p:clrMapOvr>
     <a:masterClrMapping/>
   </p:clrMapOvr>
-  <p:timing>
-    <p:tnLst>
-      <p:par>
-        <p:cTn id="1" dur="indefinite" restart="never" nodeType="tmRoot"/>
-      </p:par>
-    </p:tnLst>
-  </p:timing>
 </p:sldLayout>
 </file>
 
@@ -2260,7 +1861,7 @@
               <a:rPr lang="en-US" smtClean="0"/>
               <a:t>Click to edit Master title style</a:t>
             </a:r>
-            <a:endParaRPr lang="en-US"/>
+            <a:endParaRPr lang="en-SG"/>
           </a:p>
         </p:txBody>
       </p:sp>
@@ -2279,7 +1880,11 @@
           <a:bodyPr/>
           <a:lstStyle/>
           <a:p>
-            <a:endParaRPr lang="en-US"/>
+            <a:fld id="{A0F86979-30DA-49EE-A740-32EBA6D2B7DE}" type="datetimeFigureOut">
+              <a:rPr lang="en-SG" smtClean="0"/>
+              <a:t>2/6/2017</a:t>
+            </a:fld>
+            <a:endParaRPr lang="en-SG"/>
           </a:p>
         </p:txBody>
       </p:sp>
@@ -2298,7 +1903,7 @@
           <a:bodyPr/>
           <a:lstStyle/>
           <a:p>
-            <a:endParaRPr lang="en-US"/>
+            <a:endParaRPr lang="en-SG"/>
           </a:p>
         </p:txBody>
       </p:sp>
@@ -2317,16 +1922,20 @@
           <a:bodyPr/>
           <a:lstStyle/>
           <a:p>
-            <a:fld id="{5B8905EB-9186-4B9B-BEF9-C6B1CD50847D}" type="slidenum">
-              <a:rPr lang="en-US" smtClean="0"/>
-              <a:pPr/>
+            <a:fld id="{EBF7C7F7-E270-4260-A412-76A75D6182AD}" type="slidenum">
+              <a:rPr lang="en-SG" smtClean="0"/>
               <a:t>‹#›</a:t>
             </a:fld>
-            <a:endParaRPr lang="en-US"/>
+            <a:endParaRPr lang="en-SG"/>
           </a:p>
         </p:txBody>
       </p:sp>
     </p:spTree>
+    <p:extLst>
+      <p:ext uri="{BB962C8B-B14F-4D97-AF65-F5344CB8AC3E}">
+        <p14:creationId xmlns:p14="http://schemas.microsoft.com/office/powerpoint/2010/main" val="3909473291"/>
+      </p:ext>
+    </p:extLst>
   </p:cSld>
   <p:clrMapOvr>
     <a:masterClrMapping/>
@@ -2366,7 +1975,11 @@
           <a:bodyPr/>
           <a:lstStyle/>
           <a:p>
-            <a:endParaRPr lang="en-US"/>
+            <a:fld id="{A0F86979-30DA-49EE-A740-32EBA6D2B7DE}" type="datetimeFigureOut">
+              <a:rPr lang="en-SG" smtClean="0"/>
+              <a:t>2/6/2017</a:t>
+            </a:fld>
+            <a:endParaRPr lang="en-SG"/>
           </a:p>
         </p:txBody>
       </p:sp>
@@ -2385,7 +1998,7 @@
           <a:bodyPr/>
           <a:lstStyle/>
           <a:p>
-            <a:endParaRPr lang="en-US"/>
+            <a:endParaRPr lang="en-SG"/>
           </a:p>
         </p:txBody>
       </p:sp>
@@ -2404,16 +2017,20 @@
           <a:bodyPr/>
           <a:lstStyle/>
           <a:p>
-            <a:fld id="{5B8905EB-9186-4B9B-BEF9-C6B1CD50847D}" type="slidenum">
-              <a:rPr lang="en-US" smtClean="0"/>
-              <a:pPr/>
+            <a:fld id="{EBF7C7F7-E270-4260-A412-76A75D6182AD}" type="slidenum">
+              <a:rPr lang="en-SG" smtClean="0"/>
               <a:t>‹#›</a:t>
             </a:fld>
-            <a:endParaRPr lang="en-US"/>
+            <a:endParaRPr lang="en-SG"/>
           </a:p>
         </p:txBody>
       </p:sp>
     </p:spTree>
+    <p:extLst>
+      <p:ext uri="{BB962C8B-B14F-4D97-AF65-F5344CB8AC3E}">
+        <p14:creationId xmlns:p14="http://schemas.microsoft.com/office/powerpoint/2010/main" val="3259271892"/>
+      </p:ext>
+    </p:extLst>
   </p:cSld>
   <p:clrMapOvr>
     <a:masterClrMapping/>
@@ -2466,7 +2083,7 @@
               <a:rPr lang="en-US" smtClean="0"/>
               <a:t>Click to edit Master title style</a:t>
             </a:r>
-            <a:endParaRPr lang="en-US"/>
+            <a:endParaRPr lang="en-SG"/>
           </a:p>
         </p:txBody>
       </p:sp>
@@ -2551,7 +2168,7 @@
               <a:rPr lang="en-US" smtClean="0"/>
               <a:t>Fifth level</a:t>
             </a:r>
-            <a:endParaRPr lang="en-US"/>
+            <a:endParaRPr lang="en-SG"/>
           </a:p>
         </p:txBody>
       </p:sp>
@@ -2635,7 +2252,11 @@
           <a:bodyPr/>
           <a:lstStyle/>
           <a:p>
-            <a:endParaRPr lang="en-US"/>
+            <a:fld id="{A0F86979-30DA-49EE-A740-32EBA6D2B7DE}" type="datetimeFigureOut">
+              <a:rPr lang="en-SG" smtClean="0"/>
+              <a:t>2/6/2017</a:t>
+            </a:fld>
+            <a:endParaRPr lang="en-SG"/>
           </a:p>
         </p:txBody>
       </p:sp>
@@ -2654,7 +2275,7 @@
           <a:bodyPr/>
           <a:lstStyle/>
           <a:p>
-            <a:endParaRPr lang="en-US"/>
+            <a:endParaRPr lang="en-SG"/>
           </a:p>
         </p:txBody>
       </p:sp>
@@ -2673,16 +2294,20 @@
           <a:bodyPr/>
           <a:lstStyle/>
           <a:p>
-            <a:fld id="{5B8905EB-9186-4B9B-BEF9-C6B1CD50847D}" type="slidenum">
-              <a:rPr lang="en-US" smtClean="0"/>
-              <a:pPr/>
+            <a:fld id="{EBF7C7F7-E270-4260-A412-76A75D6182AD}" type="slidenum">
+              <a:rPr lang="en-SG" smtClean="0"/>
               <a:t>‹#›</a:t>
             </a:fld>
-            <a:endParaRPr lang="en-US"/>
+            <a:endParaRPr lang="en-SG"/>
           </a:p>
         </p:txBody>
       </p:sp>
     </p:spTree>
+    <p:extLst>
+      <p:ext uri="{BB962C8B-B14F-4D97-AF65-F5344CB8AC3E}">
+        <p14:creationId xmlns:p14="http://schemas.microsoft.com/office/powerpoint/2010/main" val="2859859922"/>
+      </p:ext>
+    </p:extLst>
   </p:cSld>
   <p:clrMapOvr>
     <a:masterClrMapping/>
@@ -2735,7 +2360,7 @@
               <a:rPr lang="en-US" smtClean="0"/>
               <a:t>Click to edit Master title style</a:t>
             </a:r>
-            <a:endParaRPr lang="en-US"/>
+            <a:endParaRPr lang="en-SG"/>
           </a:p>
         </p:txBody>
       </p:sp>
@@ -2796,7 +2421,7 @@
             </a:lvl9pPr>
           </a:lstStyle>
           <a:p>
-            <a:endParaRPr lang="en-US"/>
+            <a:endParaRPr lang="en-SG"/>
           </a:p>
         </p:txBody>
       </p:sp>
@@ -2880,7 +2505,11 @@
           <a:bodyPr/>
           <a:lstStyle/>
           <a:p>
-            <a:endParaRPr lang="en-US"/>
+            <a:fld id="{A0F86979-30DA-49EE-A740-32EBA6D2B7DE}" type="datetimeFigureOut">
+              <a:rPr lang="en-SG" smtClean="0"/>
+              <a:t>2/6/2017</a:t>
+            </a:fld>
+            <a:endParaRPr lang="en-SG"/>
           </a:p>
         </p:txBody>
       </p:sp>
@@ -2899,7 +2528,7 @@
           <a:bodyPr/>
           <a:lstStyle/>
           <a:p>
-            <a:endParaRPr lang="en-US"/>
+            <a:endParaRPr lang="en-SG"/>
           </a:p>
         </p:txBody>
       </p:sp>
@@ -2918,16 +2547,20 @@
           <a:bodyPr/>
           <a:lstStyle/>
           <a:p>
-            <a:fld id="{5B8905EB-9186-4B9B-BEF9-C6B1CD50847D}" type="slidenum">
-              <a:rPr lang="en-US" smtClean="0"/>
-              <a:pPr/>
+            <a:fld id="{EBF7C7F7-E270-4260-A412-76A75D6182AD}" type="slidenum">
+              <a:rPr lang="en-SG" smtClean="0"/>
               <a:t>‹#›</a:t>
             </a:fld>
-            <a:endParaRPr lang="en-US"/>
+            <a:endParaRPr lang="en-SG"/>
           </a:p>
         </p:txBody>
       </p:sp>
     </p:spTree>
+    <p:extLst>
+      <p:ext uri="{BB962C8B-B14F-4D97-AF65-F5344CB8AC3E}">
+        <p14:creationId xmlns:p14="http://schemas.microsoft.com/office/powerpoint/2010/main" val="1672414452"/>
+      </p:ext>
+    </p:extLst>
   </p:cSld>
   <p:clrMapOvr>
     <a:masterClrMapping/>
@@ -2986,7 +2619,7 @@
               <a:rPr lang="en-US" smtClean="0"/>
               <a:t>Click to edit Master title style</a:t>
             </a:r>
-            <a:endParaRPr lang="en-US"/>
+            <a:endParaRPr lang="en-SG"/>
           </a:p>
         </p:txBody>
       </p:sp>
@@ -3048,7 +2681,7 @@
               <a:rPr lang="en-US" smtClean="0"/>
               <a:t>Fifth level</a:t>
             </a:r>
-            <a:endParaRPr lang="en-US"/>
+            <a:endParaRPr lang="en-SG"/>
           </a:p>
         </p:txBody>
       </p:sp>
@@ -3085,7 +2718,11 @@
             </a:lvl1pPr>
           </a:lstStyle>
           <a:p>
-            <a:endParaRPr lang="en-US"/>
+            <a:fld id="{A0F86979-30DA-49EE-A740-32EBA6D2B7DE}" type="datetimeFigureOut">
+              <a:rPr lang="en-SG" smtClean="0"/>
+              <a:t>2/6/2017</a:t>
+            </a:fld>
+            <a:endParaRPr lang="en-SG"/>
           </a:p>
         </p:txBody>
       </p:sp>
@@ -3122,7 +2759,7 @@
             </a:lvl1pPr>
           </a:lstStyle>
           <a:p>
-            <a:endParaRPr lang="en-US"/>
+            <a:endParaRPr lang="en-SG"/>
           </a:p>
         </p:txBody>
       </p:sp>
@@ -3159,16 +2796,20 @@
             </a:lvl1pPr>
           </a:lstStyle>
           <a:p>
-            <a:fld id="{5B8905EB-9186-4B9B-BEF9-C6B1CD50847D}" type="slidenum">
-              <a:rPr lang="en-US" smtClean="0"/>
-              <a:pPr/>
+            <a:fld id="{EBF7C7F7-E270-4260-A412-76A75D6182AD}" type="slidenum">
+              <a:rPr lang="en-SG" smtClean="0"/>
               <a:t>‹#›</a:t>
             </a:fld>
-            <a:endParaRPr lang="en-US"/>
+            <a:endParaRPr lang="en-SG"/>
           </a:p>
         </p:txBody>
       </p:sp>
     </p:spTree>
+    <p:extLst>
+      <p:ext uri="{BB962C8B-B14F-4D97-AF65-F5344CB8AC3E}">
+        <p14:creationId xmlns:p14="http://schemas.microsoft.com/office/powerpoint/2010/main" val="1974023683"/>
+      </p:ext>
+    </p:extLst>
   </p:cSld>
   <p:clrMap bg1="lt1" tx1="dk1" bg2="lt2" tx2="dk2" accent1="accent1" accent2="accent2" accent3="accent3" accent4="accent4" accent5="accent5" accent6="accent6" hlink="hlink" folHlink="folHlink"/>
   <p:sldLayoutIdLst>
@@ -3184,7 +2825,6 @@
     <p:sldLayoutId id="2147483658" r:id="rId10"/>
     <p:sldLayoutId id="2147483659" r:id="rId11"/>
   </p:sldLayoutIdLst>
-  <p:hf hdr="0" ftr="0" dt="0"/>
   <p:txStyles>
     <p:titleStyle>
       <a:lvl1pPr algn="ctr" defTabSz="914400" rtl="0" eaLnBrk="1" latinLnBrk="0" hangingPunct="1">
@@ -3207,7 +2847,7 @@
         <a:spcBef>
           <a:spcPct val="20000"/>
         </a:spcBef>
-        <a:buFont typeface="Arial" pitchFamily="34" charset="0"/>
+        <a:buFont typeface="Arial" panose="020B0604020202020204" pitchFamily="34" charset="0"/>
         <a:buChar char="•"/>
         <a:defRPr sz="3200" kern="1200">
           <a:solidFill>
@@ -3222,7 +2862,7 @@
         <a:spcBef>
           <a:spcPct val="20000"/>
         </a:spcBef>
-        <a:buFont typeface="Arial" pitchFamily="34" charset="0"/>
+        <a:buFont typeface="Arial" panose="020B0604020202020204" pitchFamily="34" charset="0"/>
         <a:buChar char="–"/>
         <a:defRPr sz="2800" kern="1200">
           <a:solidFill>
@@ -3237,7 +2877,7 @@
         <a:spcBef>
           <a:spcPct val="20000"/>
         </a:spcBef>
-        <a:buFont typeface="Arial" pitchFamily="34" charset="0"/>
+        <a:buFont typeface="Arial" panose="020B0604020202020204" pitchFamily="34" charset="0"/>
         <a:buChar char="•"/>
         <a:defRPr sz="2400" kern="1200">
           <a:solidFill>
@@ -3252,7 +2892,7 @@
         <a:spcBef>
           <a:spcPct val="20000"/>
         </a:spcBef>
-        <a:buFont typeface="Arial" pitchFamily="34" charset="0"/>
+        <a:buFont typeface="Arial" panose="020B0604020202020204" pitchFamily="34" charset="0"/>
         <a:buChar char="–"/>
         <a:defRPr sz="2000" kern="1200">
           <a:solidFill>
@@ -3267,7 +2907,7 @@
         <a:spcBef>
           <a:spcPct val="20000"/>
         </a:spcBef>
-        <a:buFont typeface="Arial" pitchFamily="34" charset="0"/>
+        <a:buFont typeface="Arial" panose="020B0604020202020204" pitchFamily="34" charset="0"/>
         <a:buChar char="»"/>
         <a:defRPr sz="2000" kern="1200">
           <a:solidFill>
@@ -3282,7 +2922,7 @@
         <a:spcBef>
           <a:spcPct val="20000"/>
         </a:spcBef>
-        <a:buFont typeface="Arial" pitchFamily="34" charset="0"/>
+        <a:buFont typeface="Arial" panose="020B0604020202020204" pitchFamily="34" charset="0"/>
         <a:buChar char="•"/>
         <a:defRPr sz="2000" kern="1200">
           <a:solidFill>
@@ -3297,7 +2937,7 @@
         <a:spcBef>
           <a:spcPct val="20000"/>
         </a:spcBef>
-        <a:buFont typeface="Arial" pitchFamily="34" charset="0"/>
+        <a:buFont typeface="Arial" panose="020B0604020202020204" pitchFamily="34" charset="0"/>
         <a:buChar char="•"/>
         <a:defRPr sz="2000" kern="1200">
           <a:solidFill>
@@ -3312,7 +2952,7 @@
         <a:spcBef>
           <a:spcPct val="20000"/>
         </a:spcBef>
-        <a:buFont typeface="Arial" pitchFamily="34" charset="0"/>
+        <a:buFont typeface="Arial" panose="020B0604020202020204" pitchFamily="34" charset="0"/>
         <a:buChar char="•"/>
         <a:defRPr sz="2000" kern="1200">
           <a:solidFill>
@@ -3327,7 +2967,7 @@
         <a:spcBef>
           <a:spcPct val="20000"/>
         </a:spcBef>
-        <a:buFont typeface="Arial" pitchFamily="34" charset="0"/>
+        <a:buFont typeface="Arial" panose="020B0604020202020204" pitchFamily="34" charset="0"/>
         <a:buChar char="•"/>
         <a:defRPr sz="2000" kern="1200">
           <a:solidFill>
@@ -3455,42 +3095,9 @@
           <a:chExt cx="0" cy="0"/>
         </a:xfrm>
       </p:grpSpPr>
-      <p:sp>
-        <p:nvSpPr>
-          <p:cNvPr id="3" name="Title 2"/>
-          <p:cNvSpPr>
-            <a:spLocks noGrp="1"/>
-          </p:cNvSpPr>
-          <p:nvPr>
-            <p:ph type="title"/>
-          </p:nvPr>
-        </p:nvSpPr>
-        <p:spPr>
-          <a:xfrm>
-            <a:off x="457200" y="-792162"/>
-            <a:ext cx="8229600" cy="792162"/>
-          </a:xfrm>
-          <a:ln>
-            <a:solidFill>
-              <a:schemeClr val="tx1"/>
-            </a:solidFill>
-          </a:ln>
-        </p:spPr>
-        <p:txBody>
-          <a:bodyPr/>
-          <a:lstStyle/>
-          <a:p>
-            <a:r>
-              <a:rPr lang="en-US" dirty="0" smtClean="0"/>
-              <a:t>Use case diagram sample</a:t>
-            </a:r>
-            <a:endParaRPr lang="en-US" dirty="0"/>
-          </a:p>
-        </p:txBody>
-      </p:sp>
       <p:grpSp>
         <p:nvGrpSpPr>
-          <p:cNvPr id="2" name="Group 16"/>
+          <p:cNvPr id="331" name="Group 16"/>
           <p:cNvGrpSpPr/>
           <p:nvPr/>
         </p:nvGrpSpPr>
@@ -3504,7 +3111,7 @@
         </p:grpSpPr>
         <p:cxnSp>
           <p:nvCxnSpPr>
-            <p:cNvPr id="7" name="Straight Connector 6"/>
+            <p:cNvPr id="332" name="Straight Connector 331"/>
             <p:cNvCxnSpPr/>
             <p:nvPr/>
           </p:nvCxnSpPr>
@@ -3539,7 +3146,7 @@
         </p:cxnSp>
         <p:cxnSp>
           <p:nvCxnSpPr>
-            <p:cNvPr id="9" name="Straight Connector 8"/>
+            <p:cNvPr id="333" name="Straight Connector 332"/>
             <p:cNvCxnSpPr/>
             <p:nvPr/>
           </p:nvCxnSpPr>
@@ -3574,7 +3181,7 @@
         </p:cxnSp>
         <p:cxnSp>
           <p:nvCxnSpPr>
-            <p:cNvPr id="11" name="Straight Connector 10"/>
+            <p:cNvPr id="334" name="Straight Connector 333"/>
             <p:cNvCxnSpPr/>
             <p:nvPr/>
           </p:nvCxnSpPr>
@@ -3609,7 +3216,7 @@
         </p:cxnSp>
         <p:cxnSp>
           <p:nvCxnSpPr>
-            <p:cNvPr id="14" name="Straight Connector 13"/>
+            <p:cNvPr id="335" name="Straight Connector 334"/>
             <p:cNvCxnSpPr/>
             <p:nvPr/>
           </p:nvCxnSpPr>
@@ -3644,7 +3251,7 @@
         </p:cxnSp>
         <p:sp>
           <p:nvSpPr>
-            <p:cNvPr id="5" name="Oval 4"/>
+            <p:cNvPr id="336" name="Oval 335"/>
             <p:cNvSpPr/>
             <p:nvPr/>
           </p:nvSpPr>
@@ -3688,7 +3295,7 @@
       </p:grpSp>
       <p:sp>
         <p:nvSpPr>
-          <p:cNvPr id="18" name="Oval 17"/>
+          <p:cNvPr id="337" name="Oval 336"/>
           <p:cNvSpPr/>
           <p:nvPr/>
         </p:nvSpPr>
@@ -3735,7 +3342,7 @@
       </p:sp>
       <p:sp>
         <p:nvSpPr>
-          <p:cNvPr id="19" name="Oval 18"/>
+          <p:cNvPr id="338" name="Oval 337"/>
           <p:cNvSpPr/>
           <p:nvPr/>
         </p:nvSpPr>
@@ -3782,7 +3389,7 @@
       </p:sp>
       <p:sp>
         <p:nvSpPr>
-          <p:cNvPr id="20" name="Oval 19"/>
+          <p:cNvPr id="339" name="Oval 338"/>
           <p:cNvSpPr/>
           <p:nvPr/>
         </p:nvSpPr>
@@ -3829,7 +3436,7 @@
       </p:sp>
       <p:sp>
         <p:nvSpPr>
-          <p:cNvPr id="21" name="TextBox 20"/>
+          <p:cNvPr id="340" name="TextBox 339"/>
           <p:cNvSpPr txBox="1"/>
           <p:nvPr/>
         </p:nvSpPr>
@@ -3874,7 +3481,7 @@
       </p:sp>
       <p:sp>
         <p:nvSpPr>
-          <p:cNvPr id="22" name="Oval 21"/>
+          <p:cNvPr id="341" name="Oval 340"/>
           <p:cNvSpPr/>
           <p:nvPr/>
         </p:nvSpPr>
@@ -3921,7 +3528,7 @@
       </p:sp>
       <p:sp>
         <p:nvSpPr>
-          <p:cNvPr id="23" name="Oval 22"/>
+          <p:cNvPr id="342" name="Oval 341"/>
           <p:cNvSpPr/>
           <p:nvPr/>
         </p:nvSpPr>
@@ -3968,7 +3575,7 @@
       </p:sp>
       <p:grpSp>
         <p:nvGrpSpPr>
-          <p:cNvPr id="4" name="Group 23"/>
+          <p:cNvPr id="343" name="Group 23"/>
           <p:cNvGrpSpPr/>
           <p:nvPr/>
         </p:nvGrpSpPr>
@@ -3982,7 +3589,7 @@
         </p:grpSpPr>
         <p:cxnSp>
           <p:nvCxnSpPr>
-            <p:cNvPr id="25" name="Straight Connector 24"/>
+            <p:cNvPr id="344" name="Straight Connector 343"/>
             <p:cNvCxnSpPr/>
             <p:nvPr/>
           </p:nvCxnSpPr>
@@ -4017,7 +3624,7 @@
         </p:cxnSp>
         <p:cxnSp>
           <p:nvCxnSpPr>
-            <p:cNvPr id="26" name="Straight Connector 25"/>
+            <p:cNvPr id="345" name="Straight Connector 344"/>
             <p:cNvCxnSpPr/>
             <p:nvPr/>
           </p:nvCxnSpPr>
@@ -4052,7 +3659,7 @@
         </p:cxnSp>
         <p:cxnSp>
           <p:nvCxnSpPr>
-            <p:cNvPr id="27" name="Straight Connector 26"/>
+            <p:cNvPr id="346" name="Straight Connector 345"/>
             <p:cNvCxnSpPr/>
             <p:nvPr/>
           </p:nvCxnSpPr>
@@ -4087,7 +3694,7 @@
         </p:cxnSp>
         <p:cxnSp>
           <p:nvCxnSpPr>
-            <p:cNvPr id="28" name="Straight Connector 27"/>
+            <p:cNvPr id="347" name="Straight Connector 346"/>
             <p:cNvCxnSpPr/>
             <p:nvPr/>
           </p:nvCxnSpPr>
@@ -4122,7 +3729,7 @@
         </p:cxnSp>
         <p:sp>
           <p:nvSpPr>
-            <p:cNvPr id="29" name="Oval 28"/>
+            <p:cNvPr id="348" name="Oval 347"/>
             <p:cNvSpPr/>
             <p:nvPr/>
           </p:nvSpPr>
@@ -4166,7 +3773,7 @@
       </p:grpSp>
       <p:sp>
         <p:nvSpPr>
-          <p:cNvPr id="30" name="TextBox 29"/>
+          <p:cNvPr id="349" name="TextBox 348"/>
           <p:cNvSpPr txBox="1"/>
           <p:nvPr/>
         </p:nvSpPr>
@@ -4196,7 +3803,7 @@
       </p:sp>
       <p:grpSp>
         <p:nvGrpSpPr>
-          <p:cNvPr id="6" name="Group 30"/>
+          <p:cNvPr id="350" name="Group 30"/>
           <p:cNvGrpSpPr/>
           <p:nvPr/>
         </p:nvGrpSpPr>
@@ -4210,7 +3817,7 @@
         </p:grpSpPr>
         <p:cxnSp>
           <p:nvCxnSpPr>
-            <p:cNvPr id="32" name="Straight Connector 31"/>
+            <p:cNvPr id="351" name="Straight Connector 350"/>
             <p:cNvCxnSpPr/>
             <p:nvPr/>
           </p:nvCxnSpPr>
@@ -4245,7 +3852,7 @@
         </p:cxnSp>
         <p:cxnSp>
           <p:nvCxnSpPr>
-            <p:cNvPr id="33" name="Straight Connector 32"/>
+            <p:cNvPr id="352" name="Straight Connector 351"/>
             <p:cNvCxnSpPr/>
             <p:nvPr/>
           </p:nvCxnSpPr>
@@ -4280,7 +3887,7 @@
         </p:cxnSp>
         <p:cxnSp>
           <p:nvCxnSpPr>
-            <p:cNvPr id="34" name="Straight Connector 33"/>
+            <p:cNvPr id="353" name="Straight Connector 352"/>
             <p:cNvCxnSpPr/>
             <p:nvPr/>
           </p:nvCxnSpPr>
@@ -4315,7 +3922,7 @@
         </p:cxnSp>
         <p:cxnSp>
           <p:nvCxnSpPr>
-            <p:cNvPr id="35" name="Straight Connector 34"/>
+            <p:cNvPr id="354" name="Straight Connector 353"/>
             <p:cNvCxnSpPr/>
             <p:nvPr/>
           </p:nvCxnSpPr>
@@ -4350,7 +3957,7 @@
         </p:cxnSp>
         <p:sp>
           <p:nvSpPr>
-            <p:cNvPr id="36" name="Oval 35"/>
+            <p:cNvPr id="355" name="Oval 354"/>
             <p:cNvSpPr/>
             <p:nvPr/>
           </p:nvSpPr>
@@ -4394,7 +4001,7 @@
       </p:grpSp>
       <p:sp>
         <p:nvSpPr>
-          <p:cNvPr id="37" name="TextBox 36"/>
+          <p:cNvPr id="356" name="TextBox 355"/>
           <p:cNvSpPr txBox="1"/>
           <p:nvPr/>
         </p:nvSpPr>
@@ -4425,7 +4032,7 @@
       </p:sp>
       <p:sp>
         <p:nvSpPr>
-          <p:cNvPr id="38" name="Rectangle 37"/>
+          <p:cNvPr id="357" name="Rectangle 356"/>
           <p:cNvSpPr/>
           <p:nvPr/>
         </p:nvSpPr>
@@ -4469,7 +4076,7 @@
       </p:sp>
       <p:sp>
         <p:nvSpPr>
-          <p:cNvPr id="39" name="TextBox 38"/>
+          <p:cNvPr id="358" name="TextBox 357"/>
           <p:cNvSpPr txBox="1"/>
           <p:nvPr/>
         </p:nvSpPr>
@@ -4499,9 +4106,9 @@
       </p:sp>
       <p:cxnSp>
         <p:nvCxnSpPr>
-          <p:cNvPr id="41" name="Straight Connector 40"/>
+          <p:cNvPr id="359" name="Straight Connector 358"/>
           <p:cNvCxnSpPr>
-            <a:endCxn id="18" idx="2"/>
+            <a:endCxn id="337" idx="2"/>
           </p:cNvCxnSpPr>
           <p:nvPr/>
         </p:nvCxnSpPr>
@@ -4536,9 +4143,9 @@
       </p:cxnSp>
       <p:cxnSp>
         <p:nvCxnSpPr>
-          <p:cNvPr id="42" name="Straight Connector 41"/>
+          <p:cNvPr id="360" name="Straight Connector 359"/>
           <p:cNvCxnSpPr>
-            <a:endCxn id="19" idx="2"/>
+            <a:endCxn id="338" idx="2"/>
           </p:cNvCxnSpPr>
           <p:nvPr/>
         </p:nvCxnSpPr>
@@ -4573,9 +4180,9 @@
       </p:cxnSp>
       <p:cxnSp>
         <p:nvCxnSpPr>
-          <p:cNvPr id="45" name="Straight Connector 44"/>
+          <p:cNvPr id="361" name="Straight Connector 360"/>
           <p:cNvCxnSpPr>
-            <a:endCxn id="22" idx="2"/>
+            <a:endCxn id="341" idx="2"/>
           </p:cNvCxnSpPr>
           <p:nvPr/>
         </p:nvCxnSpPr>
@@ -4610,9 +4217,9 @@
       </p:cxnSp>
       <p:cxnSp>
         <p:nvCxnSpPr>
-          <p:cNvPr id="48" name="Straight Connector 47"/>
+          <p:cNvPr id="362" name="Straight Connector 361"/>
           <p:cNvCxnSpPr>
-            <a:endCxn id="23" idx="2"/>
+            <a:endCxn id="342" idx="2"/>
           </p:cNvCxnSpPr>
           <p:nvPr/>
         </p:nvCxnSpPr>
@@ -4647,9 +4254,9 @@
       </p:cxnSp>
       <p:cxnSp>
         <p:nvCxnSpPr>
-          <p:cNvPr id="54" name="Straight Connector 53"/>
+          <p:cNvPr id="363" name="Straight Connector 362"/>
           <p:cNvCxnSpPr>
-            <a:stCxn id="20" idx="2"/>
+            <a:stCxn id="339" idx="2"/>
           </p:cNvCxnSpPr>
           <p:nvPr/>
         </p:nvCxnSpPr>
@@ -4684,7 +4291,7 @@
       </p:cxnSp>
       <p:sp>
         <p:nvSpPr>
-          <p:cNvPr id="75" name="Oval 74"/>
+          <p:cNvPr id="364" name="Oval 363"/>
           <p:cNvSpPr/>
           <p:nvPr/>
         </p:nvSpPr>
@@ -4731,9 +4338,9 @@
       </p:sp>
       <p:cxnSp>
         <p:nvCxnSpPr>
-          <p:cNvPr id="76" name="Straight Connector 75"/>
+          <p:cNvPr id="365" name="Straight Connector 364"/>
           <p:cNvCxnSpPr>
-            <a:stCxn id="75" idx="1"/>
+            <a:stCxn id="364" idx="1"/>
           </p:cNvCxnSpPr>
           <p:nvPr/>
         </p:nvCxnSpPr>
@@ -4771,10 +4378,10 @@
       </p:cxnSp>
       <p:cxnSp>
         <p:nvCxnSpPr>
-          <p:cNvPr id="79" name="Straight Connector 78"/>
+          <p:cNvPr id="366" name="Straight Connector 365"/>
           <p:cNvCxnSpPr>
-            <a:stCxn id="75" idx="2"/>
-            <a:endCxn id="19" idx="6"/>
+            <a:stCxn id="364" idx="2"/>
+            <a:endCxn id="338" idx="6"/>
           </p:cNvCxnSpPr>
           <p:nvPr/>
         </p:nvCxnSpPr>
@@ -4812,7 +4419,7 @@
       </p:cxnSp>
       <p:sp>
         <p:nvSpPr>
-          <p:cNvPr id="82" name="TextBox 81"/>
+          <p:cNvPr id="367" name="TextBox 366"/>
           <p:cNvSpPr txBox="1"/>
           <p:nvPr/>
         </p:nvSpPr>
@@ -4854,7 +4461,7 @@
       </p:sp>
       <p:sp>
         <p:nvSpPr>
-          <p:cNvPr id="85" name="TextBox 84"/>
+          <p:cNvPr id="368" name="TextBox 367"/>
           <p:cNvSpPr txBox="1"/>
           <p:nvPr/>
         </p:nvSpPr>
@@ -4895,6 +4502,11 @@
         </p:txBody>
       </p:sp>
     </p:spTree>
+    <p:extLst>
+      <p:ext uri="{BB962C8B-B14F-4D97-AF65-F5344CB8AC3E}">
+        <p14:creationId xmlns:p14="http://schemas.microsoft.com/office/powerpoint/2010/main" val="26466125"/>
+      </p:ext>
+    </p:extLst>
   </p:cSld>
   <p:clrMapOvr>
     <a:masterClrMapping/>
@@ -4933,7 +4545,7 @@
                                           </p:stCondLst>
                                         </p:cTn>
                                         <p:tgtEl>
-                                          <p:spTgt spid="75"/>
+                                          <p:spTgt spid="364"/>
                                         </p:tgtEl>
                                         <p:attrNameLst>
                                           <p:attrName>style.visibility</p:attrName>
@@ -4960,7 +4572,7 @@
                                           </p:stCondLst>
                                         </p:cTn>
                                         <p:tgtEl>
-                                          <p:spTgt spid="76"/>
+                                          <p:spTgt spid="365"/>
                                         </p:tgtEl>
                                         <p:attrNameLst>
                                           <p:attrName>style.visibility</p:attrName>
@@ -4987,7 +4599,7 @@
                                           </p:stCondLst>
                                         </p:cTn>
                                         <p:tgtEl>
-                                          <p:spTgt spid="79"/>
+                                          <p:spTgt spid="366"/>
                                         </p:tgtEl>
                                         <p:attrNameLst>
                                           <p:attrName>style.visibility</p:attrName>
@@ -5014,7 +4626,7 @@
                                           </p:stCondLst>
                                         </p:cTn>
                                         <p:tgtEl>
-                                          <p:spTgt spid="82"/>
+                                          <p:spTgt spid="367"/>
                                         </p:tgtEl>
                                         <p:attrNameLst>
                                           <p:attrName>style.visibility</p:attrName>
@@ -5041,7 +4653,7 @@
                                           </p:stCondLst>
                                         </p:cTn>
                                         <p:tgtEl>
-                                          <p:spTgt spid="85"/>
+                                          <p:spTgt spid="368"/>
                                         </p:tgtEl>
                                         <p:attrNameLst>
                                           <p:attrName>style.visibility</p:attrName>
@@ -5082,9 +4694,9 @@
       </p:par>
     </p:tnLst>
     <p:bldLst>
-      <p:bldP spid="75" grpId="0" animBg="1"/>
-      <p:bldP spid="82" grpId="0"/>
-      <p:bldP spid="85" grpId="0"/>
+      <p:bldP spid="364" grpId="0" animBg="1"/>
+      <p:bldP spid="367" grpId="0"/>
+      <p:bldP spid="368" grpId="0"/>
     </p:bldLst>
   </p:timing>
 </p:sld>
@@ -5165,6 +4777,7 @@
         <a:font script="Mong" typeface="Mongolian Baiti"/>
         <a:font script="Viet" typeface="Times New Roman"/>
         <a:font script="Uigh" typeface="Microsoft Uighur"/>
+        <a:font script="Geor" typeface="Sylfaen"/>
       </a:majorFont>
       <a:minorFont>
         <a:latin typeface="Calibri"/>
@@ -5199,289 +4812,7 @@
         <a:font script="Mong" typeface="Mongolian Baiti"/>
         <a:font script="Viet" typeface="Arial"/>
         <a:font script="Uigh" typeface="Microsoft Uighur"/>
-      </a:minorFont>
-    </a:fontScheme>
-    <a:fmtScheme name="Office">
-      <a:fillStyleLst>
-        <a:solidFill>
-          <a:schemeClr val="phClr"/>
-        </a:solidFill>
-        <a:gradFill rotWithShape="1">
-          <a:gsLst>
-            <a:gs pos="0">
-              <a:schemeClr val="phClr">
-                <a:tint val="50000"/>
-                <a:satMod val="300000"/>
-              </a:schemeClr>
-            </a:gs>
-            <a:gs pos="35000">
-              <a:schemeClr val="phClr">
-                <a:tint val="37000"/>
-                <a:satMod val="300000"/>
-              </a:schemeClr>
-            </a:gs>
-            <a:gs pos="100000">
-              <a:schemeClr val="phClr">
-                <a:tint val="15000"/>
-                <a:satMod val="350000"/>
-              </a:schemeClr>
-            </a:gs>
-          </a:gsLst>
-          <a:lin ang="16200000" scaled="1"/>
-        </a:gradFill>
-        <a:gradFill rotWithShape="1">
-          <a:gsLst>
-            <a:gs pos="0">
-              <a:schemeClr val="phClr">
-                <a:shade val="51000"/>
-                <a:satMod val="130000"/>
-              </a:schemeClr>
-            </a:gs>
-            <a:gs pos="80000">
-              <a:schemeClr val="phClr">
-                <a:shade val="93000"/>
-                <a:satMod val="130000"/>
-              </a:schemeClr>
-            </a:gs>
-            <a:gs pos="100000">
-              <a:schemeClr val="phClr">
-                <a:shade val="94000"/>
-                <a:satMod val="135000"/>
-              </a:schemeClr>
-            </a:gs>
-          </a:gsLst>
-          <a:lin ang="16200000" scaled="0"/>
-        </a:gradFill>
-      </a:fillStyleLst>
-      <a:lnStyleLst>
-        <a:ln w="9525" cap="flat" cmpd="sng" algn="ctr">
-          <a:solidFill>
-            <a:schemeClr val="phClr">
-              <a:shade val="95000"/>
-              <a:satMod val="105000"/>
-            </a:schemeClr>
-          </a:solidFill>
-          <a:prstDash val="solid"/>
-        </a:ln>
-        <a:ln w="25400" cap="flat" cmpd="sng" algn="ctr">
-          <a:solidFill>
-            <a:schemeClr val="phClr"/>
-          </a:solidFill>
-          <a:prstDash val="solid"/>
-        </a:ln>
-        <a:ln w="38100" cap="flat" cmpd="sng" algn="ctr">
-          <a:solidFill>
-            <a:schemeClr val="phClr"/>
-          </a:solidFill>
-          <a:prstDash val="solid"/>
-        </a:ln>
-      </a:lnStyleLst>
-      <a:effectStyleLst>
-        <a:effectStyle>
-          <a:effectLst>
-            <a:outerShdw blurRad="40000" dist="20000" dir="5400000" rotWithShape="0">
-              <a:srgbClr val="000000">
-                <a:alpha val="38000"/>
-              </a:srgbClr>
-            </a:outerShdw>
-          </a:effectLst>
-        </a:effectStyle>
-        <a:effectStyle>
-          <a:effectLst>
-            <a:outerShdw blurRad="40000" dist="23000" dir="5400000" rotWithShape="0">
-              <a:srgbClr val="000000">
-                <a:alpha val="35000"/>
-              </a:srgbClr>
-            </a:outerShdw>
-          </a:effectLst>
-        </a:effectStyle>
-        <a:effectStyle>
-          <a:effectLst>
-            <a:outerShdw blurRad="40000" dist="23000" dir="5400000" rotWithShape="0">
-              <a:srgbClr val="000000">
-                <a:alpha val="35000"/>
-              </a:srgbClr>
-            </a:outerShdw>
-          </a:effectLst>
-          <a:scene3d>
-            <a:camera prst="orthographicFront">
-              <a:rot lat="0" lon="0" rev="0"/>
-            </a:camera>
-            <a:lightRig rig="threePt" dir="t">
-              <a:rot lat="0" lon="0" rev="1200000"/>
-            </a:lightRig>
-          </a:scene3d>
-          <a:sp3d>
-            <a:bevelT w="63500" h="25400"/>
-          </a:sp3d>
-        </a:effectStyle>
-      </a:effectStyleLst>
-      <a:bgFillStyleLst>
-        <a:solidFill>
-          <a:schemeClr val="phClr"/>
-        </a:solidFill>
-        <a:gradFill rotWithShape="1">
-          <a:gsLst>
-            <a:gs pos="0">
-              <a:schemeClr val="phClr">
-                <a:tint val="40000"/>
-                <a:satMod val="350000"/>
-              </a:schemeClr>
-            </a:gs>
-            <a:gs pos="40000">
-              <a:schemeClr val="phClr">
-                <a:tint val="45000"/>
-                <a:shade val="99000"/>
-                <a:satMod val="350000"/>
-              </a:schemeClr>
-            </a:gs>
-            <a:gs pos="100000">
-              <a:schemeClr val="phClr">
-                <a:shade val="20000"/>
-                <a:satMod val="255000"/>
-              </a:schemeClr>
-            </a:gs>
-          </a:gsLst>
-          <a:path path="circle">
-            <a:fillToRect l="50000" t="-80000" r="50000" b="180000"/>
-          </a:path>
-        </a:gradFill>
-        <a:gradFill rotWithShape="1">
-          <a:gsLst>
-            <a:gs pos="0">
-              <a:schemeClr val="phClr">
-                <a:tint val="80000"/>
-                <a:satMod val="300000"/>
-              </a:schemeClr>
-            </a:gs>
-            <a:gs pos="100000">
-              <a:schemeClr val="phClr">
-                <a:shade val="30000"/>
-                <a:satMod val="200000"/>
-              </a:schemeClr>
-            </a:gs>
-          </a:gsLst>
-          <a:path path="circle">
-            <a:fillToRect l="50000" t="50000" r="50000" b="50000"/>
-          </a:path>
-        </a:gradFill>
-      </a:bgFillStyleLst>
-    </a:fmtScheme>
-  </a:themeElements>
-  <a:objectDefaults/>
-  <a:extraClrSchemeLst/>
-</a:theme>
-</file>
-
-<file path=ppt/theme/theme2.xml><?xml version="1.0" encoding="utf-8"?>
-<a:theme xmlns:a="http://schemas.openxmlformats.org/drawingml/2006/main" name="Office Theme">
-  <a:themeElements>
-    <a:clrScheme name="Office">
-      <a:dk1>
-        <a:sysClr val="windowText" lastClr="000000"/>
-      </a:dk1>
-      <a:lt1>
-        <a:sysClr val="window" lastClr="FFFFFF"/>
-      </a:lt1>
-      <a:dk2>
-        <a:srgbClr val="1F497D"/>
-      </a:dk2>
-      <a:lt2>
-        <a:srgbClr val="EEECE1"/>
-      </a:lt2>
-      <a:accent1>
-        <a:srgbClr val="4F81BD"/>
-      </a:accent1>
-      <a:accent2>
-        <a:srgbClr val="C0504D"/>
-      </a:accent2>
-      <a:accent3>
-        <a:srgbClr val="9BBB59"/>
-      </a:accent3>
-      <a:accent4>
-        <a:srgbClr val="8064A2"/>
-      </a:accent4>
-      <a:accent5>
-        <a:srgbClr val="4BACC6"/>
-      </a:accent5>
-      <a:accent6>
-        <a:srgbClr val="F79646"/>
-      </a:accent6>
-      <a:hlink>
-        <a:srgbClr val="0000FF"/>
-      </a:hlink>
-      <a:folHlink>
-        <a:srgbClr val="800080"/>
-      </a:folHlink>
-    </a:clrScheme>
-    <a:fontScheme name="Office">
-      <a:majorFont>
-        <a:latin typeface="Calibri"/>
-        <a:ea typeface=""/>
-        <a:cs typeface=""/>
-        <a:font script="Jpan" typeface="ＭＳ Ｐゴシック"/>
-        <a:font script="Hang" typeface="맑은 고딕"/>
-        <a:font script="Hans" typeface="宋体"/>
-        <a:font script="Hant" typeface="新細明體"/>
-        <a:font script="Arab" typeface="Times New Roman"/>
-        <a:font script="Hebr" typeface="Times New Roman"/>
-        <a:font script="Thai" typeface="Angsana New"/>
-        <a:font script="Ethi" typeface="Nyala"/>
-        <a:font script="Beng" typeface="Vrinda"/>
-        <a:font script="Gujr" typeface="Shruti"/>
-        <a:font script="Khmr" typeface="MoolBoran"/>
-        <a:font script="Knda" typeface="Tunga"/>
-        <a:font script="Guru" typeface="Raavi"/>
-        <a:font script="Cans" typeface="Euphemia"/>
-        <a:font script="Cher" typeface="Plantagenet Cherokee"/>
-        <a:font script="Yiii" typeface="Microsoft Yi Baiti"/>
-        <a:font script="Tibt" typeface="Microsoft Himalaya"/>
-        <a:font script="Thaa" typeface="MV Boli"/>
-        <a:font script="Deva" typeface="Mangal"/>
-        <a:font script="Telu" typeface="Gautami"/>
-        <a:font script="Taml" typeface="Latha"/>
-        <a:font script="Syrc" typeface="Estrangelo Edessa"/>
-        <a:font script="Orya" typeface="Kalinga"/>
-        <a:font script="Mlym" typeface="Kartika"/>
-        <a:font script="Laoo" typeface="DokChampa"/>
-        <a:font script="Sinh" typeface="Iskoola Pota"/>
-        <a:font script="Mong" typeface="Mongolian Baiti"/>
-        <a:font script="Viet" typeface="Times New Roman"/>
-        <a:font script="Uigh" typeface="Microsoft Uighur"/>
-      </a:majorFont>
-      <a:minorFont>
-        <a:latin typeface="Calibri"/>
-        <a:ea typeface=""/>
-        <a:cs typeface=""/>
-        <a:font script="Jpan" typeface="ＭＳ Ｐゴシック"/>
-        <a:font script="Hang" typeface="맑은 고딕"/>
-        <a:font script="Hans" typeface="宋体"/>
-        <a:font script="Hant" typeface="新細明體"/>
-        <a:font script="Arab" typeface="Arial"/>
-        <a:font script="Hebr" typeface="Arial"/>
-        <a:font script="Thai" typeface="Cordia New"/>
-        <a:font script="Ethi" typeface="Nyala"/>
-        <a:font script="Beng" typeface="Vrinda"/>
-        <a:font script="Gujr" typeface="Shruti"/>
-        <a:font script="Khmr" typeface="DaunPenh"/>
-        <a:font script="Knda" typeface="Tunga"/>
-        <a:font script="Guru" typeface="Raavi"/>
-        <a:font script="Cans" typeface="Euphemia"/>
-        <a:font script="Cher" typeface="Plantagenet Cherokee"/>
-        <a:font script="Yiii" typeface="Microsoft Yi Baiti"/>
-        <a:font script="Tibt" typeface="Microsoft Himalaya"/>
-        <a:font script="Thaa" typeface="MV Boli"/>
-        <a:font script="Deva" typeface="Mangal"/>
-        <a:font script="Telu" typeface="Gautami"/>
-        <a:font script="Taml" typeface="Latha"/>
-        <a:font script="Syrc" typeface="Estrangelo Edessa"/>
-        <a:font script="Orya" typeface="Kalinga"/>
-        <a:font script="Mlym" typeface="Kartika"/>
-        <a:font script="Laoo" typeface="DokChampa"/>
-        <a:font script="Sinh" typeface="Iskoola Pota"/>
-        <a:font script="Mong" typeface="Mongolian Baiti"/>
-        <a:font script="Viet" typeface="Arial"/>
-        <a:font script="Uigh" typeface="Microsoft Uighur"/>
+        <a:font script="Geor" typeface="Sylfaen"/>
       </a:minorFont>
     </a:fontScheme>
     <a:fmtScheme name="Office">
